--- a/세미나/2월 2주차 (김형래).pptx
+++ b/세미나/2월 2주차 (김형래).pptx
@@ -14,7 +14,7 @@
     <p:sldId id="256" r:id="rId2"/>
     <p:sldId id="356" r:id="rId3"/>
     <p:sldId id="423" r:id="rId4"/>
-    <p:sldId id="369" r:id="rId5"/>
+    <p:sldId id="425" r:id="rId5"/>
     <p:sldId id="355" r:id="rId6"/>
     <p:sldId id="424" r:id="rId7"/>
   </p:sldIdLst>
@@ -123,7 +123,7 @@
             <p14:sldId id="256"/>
             <p14:sldId id="356"/>
             <p14:sldId id="423"/>
-            <p14:sldId id="369"/>
+            <p14:sldId id="425"/>
             <p14:sldId id="355"/>
             <p14:sldId id="424"/>
           </p14:sldIdLst>
@@ -265,7 +265,7 @@
                 <a:ea typeface="나눔스퀘어" panose="020B0600000101010101" pitchFamily="50" charset="-127"/>
               </a:rPr>
               <a:pPr/>
-              <a:t>2019-02-14</a:t>
+              <a:t>2019-03-20</a:t>
             </a:fld>
             <a:endParaRPr lang="ko-KR" altLang="en-US" dirty="0">
               <a:latin typeface="나눔스퀘어" panose="020B0600000101010101" pitchFamily="50" charset="-127"/>
@@ -864,7 +864,7 @@
           <a:p>
             <a:fld id="{F5843DA5-2861-4D49-A0BB-676E00398919}" type="datetimeFigureOut">
               <a:rPr lang="ko-KR" altLang="en-US" smtClean="0"/>
-              <a:t>2019-02-14</a:t>
+              <a:t>2019-03-20</a:t>
             </a:fld>
             <a:endParaRPr lang="ko-KR" altLang="en-US"/>
           </a:p>
@@ -1170,7 +1170,7 @@
             <a:fld id="{1A74E5E4-A585-4486-9774-7B8502B6BACE}" type="datetimeFigureOut">
               <a:rPr lang="ko-KR" altLang="en-US" smtClean="0"/>
               <a:pPr/>
-              <a:t>2019-02-14</a:t>
+              <a:t>2019-03-20</a:t>
             </a:fld>
             <a:endParaRPr lang="ko-KR" altLang="en-US" dirty="0"/>
           </a:p>
@@ -1350,7 +1350,7 @@
             <a:fld id="{1A74E5E4-A585-4486-9774-7B8502B6BACE}" type="datetimeFigureOut">
               <a:rPr lang="ko-KR" altLang="en-US" smtClean="0"/>
               <a:pPr/>
-              <a:t>2019-02-14</a:t>
+              <a:t>2019-03-20</a:t>
             </a:fld>
             <a:endParaRPr lang="ko-KR" altLang="en-US" dirty="0"/>
           </a:p>
@@ -1447,7 +1447,7 @@
             <a:fld id="{1A74E5E4-A585-4486-9774-7B8502B6BACE}" type="datetimeFigureOut">
               <a:rPr lang="ko-KR" altLang="en-US" smtClean="0"/>
               <a:pPr/>
-              <a:t>2019-02-14</a:t>
+              <a:t>2019-03-20</a:t>
             </a:fld>
             <a:endParaRPr lang="ko-KR" altLang="en-US" dirty="0"/>
           </a:p>
@@ -1721,7 +1721,7 @@
             <a:fld id="{1A74E5E4-A585-4486-9774-7B8502B6BACE}" type="datetimeFigureOut">
               <a:rPr lang="ko-KR" altLang="en-US" smtClean="0"/>
               <a:pPr/>
-              <a:t>2019-02-14</a:t>
+              <a:t>2019-03-20</a:t>
             </a:fld>
             <a:endParaRPr lang="ko-KR" altLang="en-US" dirty="0"/>
           </a:p>
@@ -2150,7 +2150,7 @@
             <a:fld id="{1A74E5E4-A585-4486-9774-7B8502B6BACE}" type="datetimeFigureOut">
               <a:rPr lang="ko-KR" altLang="en-US" smtClean="0"/>
               <a:pPr/>
-              <a:t>2019-02-14</a:t>
+              <a:t>2019-03-20</a:t>
             </a:fld>
             <a:endParaRPr lang="ko-KR" altLang="en-US" dirty="0"/>
           </a:p>
@@ -2469,7 +2469,7 @@
             <a:fld id="{1A74E5E4-A585-4486-9774-7B8502B6BACE}" type="datetimeFigureOut">
               <a:rPr lang="ko-KR" altLang="en-US" smtClean="0"/>
               <a:pPr/>
-              <a:t>2019-02-14</a:t>
+              <a:t>2019-03-20</a:t>
             </a:fld>
             <a:endParaRPr lang="ko-KR" altLang="en-US" dirty="0"/>
           </a:p>
@@ -2914,7 +2914,7 @@
             <a:fld id="{1A74E5E4-A585-4486-9774-7B8502B6BACE}" type="datetimeFigureOut">
               <a:rPr lang="ko-KR" altLang="en-US" smtClean="0"/>
               <a:pPr/>
-              <a:t>2019-02-14</a:t>
+              <a:t>2019-03-20</a:t>
             </a:fld>
             <a:endParaRPr lang="ko-KR" altLang="en-US" dirty="0"/>
           </a:p>
@@ -3352,7 +3352,7 @@
             <a:fld id="{1A74E5E4-A585-4486-9774-7B8502B6BACE}" type="datetimeFigureOut">
               <a:rPr lang="ko-KR" altLang="en-US" smtClean="0"/>
               <a:pPr/>
-              <a:t>2019-02-14</a:t>
+              <a:t>2019-03-20</a:t>
             </a:fld>
             <a:endParaRPr lang="ko-KR" altLang="en-US" dirty="0"/>
           </a:p>
@@ -3543,7 +3543,7 @@
             <a:fld id="{1A74E5E4-A585-4486-9774-7B8502B6BACE}" type="datetimeFigureOut">
               <a:rPr lang="ko-KR" altLang="en-US" smtClean="0"/>
               <a:pPr/>
-              <a:t>2019-02-14</a:t>
+              <a:t>2019-03-20</a:t>
             </a:fld>
             <a:endParaRPr lang="ko-KR" altLang="en-US" dirty="0"/>
           </a:p>
@@ -3712,7 +3712,7 @@
             <a:fld id="{1A74E5E4-A585-4486-9774-7B8502B6BACE}" type="datetimeFigureOut">
               <a:rPr lang="ko-KR" altLang="en-US" smtClean="0"/>
               <a:pPr/>
-              <a:t>2019-02-14</a:t>
+              <a:t>2019-03-20</a:t>
             </a:fld>
             <a:endParaRPr lang="ko-KR" altLang="en-US" dirty="0"/>
           </a:p>
@@ -4061,7 +4061,7 @@
             <a:fld id="{1A74E5E4-A585-4486-9774-7B8502B6BACE}" type="datetimeFigureOut">
               <a:rPr lang="ko-KR" altLang="en-US" smtClean="0"/>
               <a:pPr/>
-              <a:t>2019-02-14</a:t>
+              <a:t>2019-03-20</a:t>
             </a:fld>
             <a:endParaRPr lang="ko-KR" altLang="en-US" dirty="0"/>
           </a:p>
@@ -4387,7 +4387,7 @@
             <a:fld id="{1A74E5E4-A585-4486-9774-7B8502B6BACE}" type="datetimeFigureOut">
               <a:rPr lang="ko-KR" altLang="en-US" smtClean="0"/>
               <a:pPr/>
-              <a:t>2019-02-14</a:t>
+              <a:t>2019-03-20</a:t>
             </a:fld>
             <a:endParaRPr lang="ko-KR" altLang="en-US" dirty="0"/>
           </a:p>
@@ -4602,7 +4602,7 @@
             <a:fld id="{1A74E5E4-A585-4486-9774-7B8502B6BACE}" type="datetimeFigureOut">
               <a:rPr lang="ko-KR" altLang="en-US" smtClean="0"/>
               <a:pPr/>
-              <a:t>2019-02-14</a:t>
+              <a:t>2019-03-20</a:t>
             </a:fld>
             <a:endParaRPr lang="ko-KR" altLang="en-US" dirty="0"/>
           </a:p>
@@ -5534,7 +5534,7 @@
                 <a:latin typeface="나눔스퀘어" panose="020B0600000101010101" pitchFamily="50" charset="-127"/>
                 <a:ea typeface="나눔스퀘어" panose="020B0600000101010101" pitchFamily="50" charset="-127"/>
               </a:rPr>
-              <a:t>1</a:t>
+              <a:t>3</a:t>
             </a:r>
             <a:r>
               <a:rPr lang="ko-KR" altLang="en-US" sz="2400" dirty="0">
@@ -5560,7 +5560,7 @@
                 <a:latin typeface="나눔스퀘어" panose="020B0600000101010101" pitchFamily="50" charset="-127"/>
                 <a:ea typeface="나눔스퀘어" panose="020B0600000101010101" pitchFamily="50" charset="-127"/>
               </a:rPr>
-              <a:t>7</a:t>
+              <a:t>2</a:t>
             </a:r>
             <a:r>
               <a:rPr lang="ko-KR" altLang="en-US" sz="2400" dirty="0">
@@ -5647,7 +5647,7 @@
         </p:nvCxnSpPr>
         <p:spPr>
           <a:xfrm rot="5400000">
-            <a:off x="2687401" y="3816182"/>
+            <a:off x="-496593" y="3734381"/>
             <a:ext cx="4592755" cy="1405"/>
           </a:xfrm>
           <a:prstGeom prst="line">
@@ -5760,25 +5760,11 @@
           <a:p>
             <a:pPr algn="ctr"/>
             <a:r>
-              <a:rPr lang="en-US" altLang="ko-KR" sz="1100" b="1" dirty="0">
+              <a:rPr lang="en-US" altLang="ko-KR" sz="1100" b="1">
                 <a:latin typeface="나눔스퀘어" panose="020B0600000101010101" pitchFamily="50" charset="-127"/>
                 <a:ea typeface="나눔스퀘어" panose="020B0600000101010101" pitchFamily="50" charset="-127"/>
               </a:rPr>
-              <a:t>18</a:t>
-            </a:r>
-            <a:r>
-              <a:rPr lang="ko-KR" altLang="en-US" sz="1100" b="1" dirty="0">
-                <a:latin typeface="나눔스퀘어" panose="020B0600000101010101" pitchFamily="50" charset="-127"/>
-                <a:ea typeface="나눔스퀘어" panose="020B0600000101010101" pitchFamily="50" charset="-127"/>
-              </a:rPr>
-              <a:t> </a:t>
-            </a:r>
-            <a:r>
-              <a:rPr lang="en-US" altLang="ko-KR" sz="1100" b="1" dirty="0">
-                <a:latin typeface="나눔스퀘어" panose="020B0600000101010101" pitchFamily="50" charset="-127"/>
-                <a:ea typeface="나눔스퀘어" panose="020B0600000101010101" pitchFamily="50" charset="-127"/>
-              </a:rPr>
-              <a:t>1</a:t>
+              <a:t>3</a:t>
             </a:r>
             <a:r>
               <a:rPr lang="ko-KR" altLang="en-US" sz="1100" b="1" dirty="0">
@@ -6197,7 +6183,7 @@
         </p:nvCxnSpPr>
         <p:spPr>
           <a:xfrm rot="5400000">
-            <a:off x="2679444" y="3850327"/>
+            <a:off x="307570" y="3778825"/>
             <a:ext cx="4592755" cy="1405"/>
           </a:xfrm>
           <a:prstGeom prst="line">
@@ -6990,7 +6976,7 @@
         </p:nvSpPr>
         <p:spPr>
           <a:xfrm>
-            <a:off x="4754966" y="1273532"/>
+            <a:off x="1584928" y="1199853"/>
             <a:ext cx="412538" cy="244639"/>
           </a:xfrm>
           <a:prstGeom prst="rect">
@@ -7041,7 +7027,7 @@
         </p:nvSpPr>
         <p:spPr>
           <a:xfrm>
-            <a:off x="192524" y="2027247"/>
+            <a:off x="192479" y="1447024"/>
             <a:ext cx="5561270" cy="756236"/>
           </a:xfrm>
           <a:prstGeom prst="rightArrow">
@@ -7076,6 +7062,16 @@
           <a:p>
             <a:pPr algn="ctr"/>
             <a:r>
+              <a:rPr lang="ko-KR" altLang="en-US" sz="1600" b="1" dirty="0" err="1">
+                <a:solidFill>
+                  <a:schemeClr val="tx1"/>
+                </a:solidFill>
+                <a:latin typeface="나눔스퀘어" panose="020B0600000101010101" pitchFamily="50" charset="-127"/>
+                <a:ea typeface="나눔스퀘어" panose="020B0600000101010101" pitchFamily="50" charset="-127"/>
+              </a:rPr>
+              <a:t>케라스</a:t>
+            </a:r>
+            <a:r>
               <a:rPr lang="ko-KR" altLang="en-US" sz="1600" b="1" dirty="0">
                 <a:solidFill>
                   <a:schemeClr val="tx1"/>
@@ -7083,27 +7079,7 @@
                 <a:latin typeface="나눔스퀘어" panose="020B0600000101010101" pitchFamily="50" charset="-127"/>
                 <a:ea typeface="나눔스퀘어" panose="020B0600000101010101" pitchFamily="50" charset="-127"/>
               </a:rPr>
-              <a:t>밑바닥 </a:t>
-            </a:r>
-            <a:r>
-              <a:rPr lang="ko-KR" altLang="en-US" sz="1600" b="1" dirty="0" err="1">
-                <a:solidFill>
-                  <a:schemeClr val="tx1"/>
-                </a:solidFill>
-                <a:latin typeface="나눔스퀘어" panose="020B0600000101010101" pitchFamily="50" charset="-127"/>
-                <a:ea typeface="나눔스퀘어" panose="020B0600000101010101" pitchFamily="50" charset="-127"/>
-              </a:rPr>
-              <a:t>부터</a:t>
-            </a:r>
-            <a:r>
-              <a:rPr lang="ko-KR" altLang="en-US" sz="1600" b="1" dirty="0">
-                <a:solidFill>
-                  <a:schemeClr val="tx1"/>
-                </a:solidFill>
-                <a:latin typeface="나눔스퀘어" panose="020B0600000101010101" pitchFamily="50" charset="-127"/>
-                <a:ea typeface="나눔스퀘어" panose="020B0600000101010101" pitchFamily="50" charset="-127"/>
-              </a:rPr>
-              <a:t> 시작하는 </a:t>
+              <a:t> 창시자에게 배우는 </a:t>
             </a:r>
             <a:r>
               <a:rPr lang="ko-KR" altLang="en-US" sz="1600" b="1" dirty="0" err="1">
@@ -7114,76 +7090,6 @@
                 <a:ea typeface="나눔스퀘어" panose="020B0600000101010101" pitchFamily="50" charset="-127"/>
               </a:rPr>
               <a:t>딥러닝</a:t>
-            </a:r>
-            <a:r>
-              <a:rPr lang="ko-KR" altLang="en-US" sz="1600" b="1" dirty="0">
-                <a:solidFill>
-                  <a:schemeClr val="tx1"/>
-                </a:solidFill>
-                <a:latin typeface="나눔스퀘어" panose="020B0600000101010101" pitchFamily="50" charset="-127"/>
-                <a:ea typeface="나눔스퀘어" panose="020B0600000101010101" pitchFamily="50" charset="-127"/>
-              </a:rPr>
-              <a:t> </a:t>
-            </a:r>
-            <a:r>
-              <a:rPr lang="en-US" altLang="ko-KR" sz="1600" b="1" dirty="0">
-                <a:solidFill>
-                  <a:schemeClr val="tx1"/>
-                </a:solidFill>
-                <a:latin typeface="나눔스퀘어" panose="020B0600000101010101" pitchFamily="50" charset="-127"/>
-                <a:ea typeface="나눔스퀘어" panose="020B0600000101010101" pitchFamily="50" charset="-127"/>
-              </a:rPr>
-              <a:t>(</a:t>
-            </a:r>
-            <a:r>
-              <a:rPr lang="ko-KR" altLang="en-US" sz="1600" b="1" dirty="0" err="1">
-                <a:solidFill>
-                  <a:schemeClr val="tx1"/>
-                </a:solidFill>
-                <a:latin typeface="나눔스퀘어" panose="020B0600000101010101" pitchFamily="50" charset="-127"/>
-                <a:ea typeface="나눔스퀘어" panose="020B0600000101010101" pitchFamily="50" charset="-127"/>
-              </a:rPr>
-              <a:t>딥러닝</a:t>
-            </a:r>
-            <a:r>
-              <a:rPr lang="ko-KR" altLang="en-US" sz="1600" b="1" dirty="0">
-                <a:solidFill>
-                  <a:schemeClr val="tx1"/>
-                </a:solidFill>
-                <a:latin typeface="나눔스퀘어" panose="020B0600000101010101" pitchFamily="50" charset="-127"/>
-                <a:ea typeface="나눔스퀘어" panose="020B0600000101010101" pitchFamily="50" charset="-127"/>
-              </a:rPr>
-              <a:t> 개념</a:t>
-            </a:r>
-            <a:r>
-              <a:rPr lang="en-US" altLang="ko-KR" sz="1600" b="1" dirty="0">
-                <a:solidFill>
-                  <a:schemeClr val="tx1"/>
-                </a:solidFill>
-                <a:latin typeface="나눔스퀘어" panose="020B0600000101010101" pitchFamily="50" charset="-127"/>
-                <a:ea typeface="나눔스퀘어" panose="020B0600000101010101" pitchFamily="50" charset="-127"/>
-              </a:rPr>
-              <a:t>, </a:t>
-            </a:r>
-            <a:r>
-              <a:rPr lang="ko-KR" altLang="en-US" sz="1600" b="1" dirty="0">
-                <a:solidFill>
-                  <a:schemeClr val="tx1"/>
-                </a:solidFill>
-                <a:latin typeface="나눔스퀘어" panose="020B0600000101010101" pitchFamily="50" charset="-127"/>
-                <a:ea typeface="나눔스퀘어" panose="020B0600000101010101" pitchFamily="50" charset="-127"/>
-              </a:rPr>
-              <a:t>기초</a:t>
-            </a:r>
-            <a:r>
-              <a:rPr lang="en-US" altLang="ko-KR" sz="1600" b="1" dirty="0">
-                <a:solidFill>
-                  <a:schemeClr val="tx1"/>
-                </a:solidFill>
-                <a:latin typeface="나눔스퀘어" panose="020B0600000101010101" pitchFamily="50" charset="-127"/>
-                <a:ea typeface="나눔스퀘어" panose="020B0600000101010101" pitchFamily="50" charset="-127"/>
-              </a:rPr>
-              <a:t>)</a:t>
             </a:r>
             <a:endParaRPr lang="ko-KR" altLang="en-US" sz="1600" b="1" dirty="0">
               <a:solidFill>
@@ -7244,74 +7150,8 @@
           <a:p>
             <a:pPr algn="ctr"/>
             <a:r>
-              <a:rPr lang="ko-KR" altLang="en-US" sz="1300" b="1" dirty="0" err="1">
-                <a:solidFill>
-                  <a:schemeClr val="tx1"/>
-                </a:solidFill>
-                <a:latin typeface="나눔스퀘어" panose="020B0600000101010101" pitchFamily="50" charset="-127"/>
-                <a:ea typeface="나눔스퀘어" panose="020B0600000101010101" pitchFamily="50" charset="-127"/>
-              </a:rPr>
-              <a:t>파이썬</a:t>
-            </a:r>
-            <a:r>
-              <a:rPr lang="ko-KR" altLang="en-US" sz="1300" b="1" dirty="0">
-                <a:solidFill>
-                  <a:schemeClr val="tx1"/>
-                </a:solidFill>
-                <a:latin typeface="나눔스퀘어" panose="020B0600000101010101" pitchFamily="50" charset="-127"/>
-                <a:ea typeface="나눔스퀘어" panose="020B0600000101010101" pitchFamily="50" charset="-127"/>
-              </a:rPr>
-              <a:t> 데이터 사이언스 핸드북</a:t>
-            </a:r>
-            <a:r>
-              <a:rPr lang="en-US" altLang="ko-KR" sz="1300" b="1" dirty="0">
-                <a:solidFill>
-                  <a:schemeClr val="tx1"/>
-                </a:solidFill>
-                <a:latin typeface="나눔스퀘어" panose="020B0600000101010101" pitchFamily="50" charset="-127"/>
-                <a:ea typeface="나눔스퀘어" panose="020B0600000101010101" pitchFamily="50" charset="-127"/>
-              </a:rPr>
-              <a:t>(</a:t>
-            </a:r>
-            <a:r>
-              <a:rPr lang="en-US" altLang="ko-KR" sz="1300" b="1" dirty="0" err="1">
-                <a:solidFill>
-                  <a:schemeClr val="tx1"/>
-                </a:solidFill>
-                <a:latin typeface="나눔스퀘어" panose="020B0600000101010101" pitchFamily="50" charset="-127"/>
-                <a:ea typeface="나눔스퀘어" panose="020B0600000101010101" pitchFamily="50" charset="-127"/>
-              </a:rPr>
-              <a:t>Numpy</a:t>
-            </a:r>
-            <a:r>
-              <a:rPr lang="en-US" altLang="ko-KR" sz="1300" b="1" dirty="0">
-                <a:solidFill>
-                  <a:schemeClr val="tx1"/>
-                </a:solidFill>
-                <a:latin typeface="나눔스퀘어" panose="020B0600000101010101" pitchFamily="50" charset="-127"/>
-                <a:ea typeface="나눔스퀘어" panose="020B0600000101010101" pitchFamily="50" charset="-127"/>
-              </a:rPr>
-              <a:t>, Pandas Matplotlib &amp; ML </a:t>
-            </a:r>
-            <a:r>
-              <a:rPr lang="ko-KR" altLang="en-US" sz="1300" b="1" dirty="0">
-                <a:solidFill>
-                  <a:schemeClr val="tx1"/>
-                </a:solidFill>
-                <a:latin typeface="나눔스퀘어" panose="020B0600000101010101" pitchFamily="50" charset="-127"/>
-                <a:ea typeface="나눔스퀘어" panose="020B0600000101010101" pitchFamily="50" charset="-127"/>
-              </a:rPr>
-              <a:t>기초</a:t>
-            </a:r>
-            <a:r>
-              <a:rPr lang="en-US" altLang="ko-KR" sz="1300" b="1" dirty="0">
-                <a:solidFill>
-                  <a:schemeClr val="tx1"/>
-                </a:solidFill>
-                <a:latin typeface="나눔스퀘어" panose="020B0600000101010101" pitchFamily="50" charset="-127"/>
-                <a:ea typeface="나눔스퀘어" panose="020B0600000101010101" pitchFamily="50" charset="-127"/>
-              </a:rPr>
-              <a:t>)</a:t>
+              <a:rPr lang="ko-KR" altLang="en-US" sz="1400" b="1" dirty="0"/>
+              <a:t>인공지능을 위한 수학</a:t>
             </a:r>
             <a:endParaRPr lang="ko-KR" altLang="en-US" sz="1300" b="1" dirty="0">
               <a:solidFill>
@@ -7337,8 +7177,8 @@
         </p:nvSpPr>
         <p:spPr>
           <a:xfrm>
-            <a:off x="3386566" y="3979449"/>
-            <a:ext cx="2403271" cy="1165904"/>
+            <a:off x="204426" y="3979449"/>
+            <a:ext cx="5585411" cy="1165904"/>
           </a:xfrm>
           <a:prstGeom prst="rightArrow">
             <a:avLst/>
@@ -7379,37 +7219,17 @@
                 <a:latin typeface="나눔스퀘어" panose="020B0600000101010101" pitchFamily="50" charset="-127"/>
                 <a:ea typeface="나눔스퀘어" panose="020B0600000101010101" pitchFamily="50" charset="-127"/>
               </a:rPr>
-              <a:t>주식 데이터 수집 및 </a:t>
-            </a:r>
-            <a:endParaRPr lang="en-US" altLang="ko-KR" sz="1600" b="1" dirty="0">
-              <a:solidFill>
-                <a:schemeClr val="tx1"/>
-              </a:solidFill>
-              <a:latin typeface="나눔스퀘어" panose="020B0600000101010101" pitchFamily="50" charset="-127"/>
-              <a:ea typeface="나눔스퀘어" panose="020B0600000101010101" pitchFamily="50" charset="-127"/>
-            </a:endParaRPr>
-          </a:p>
-          <a:p>
-            <a:pPr algn="ctr"/>
-            <a:r>
-              <a:rPr lang="ko-KR" altLang="en-US" sz="1600" b="1" dirty="0">
-                <a:solidFill>
-                  <a:schemeClr val="tx1"/>
-                </a:solidFill>
-                <a:latin typeface="나눔스퀘어" panose="020B0600000101010101" pitchFamily="50" charset="-127"/>
-                <a:ea typeface="나눔스퀘어" panose="020B0600000101010101" pitchFamily="50" charset="-127"/>
-              </a:rPr>
-              <a:t>머신 러닝 기술 적용하기</a:t>
-            </a:r>
-          </a:p>
-        </p:txBody>
-      </p:sp>
-      <p:sp>
-        <p:nvSpPr>
-          <p:cNvPr id="42" name="오른쪽 화살표 46">
+              <a:t>논문과 공부한 모델을 직접 적용하기</a:t>
+            </a:r>
+          </a:p>
+        </p:txBody>
+      </p:sp>
+      <p:sp>
+        <p:nvSpPr>
+          <p:cNvPr id="43" name="오른쪽 화살표 46">
             <a:extLst>
               <a:ext uri="{FF2B5EF4-FFF2-40B4-BE49-F238E27FC236}">
-                <a16:creationId xmlns:a16="http://schemas.microsoft.com/office/drawing/2014/main" id="{C491055C-6A7E-44F6-9143-FEDE1226DE88}"/>
+                <a16:creationId xmlns:a16="http://schemas.microsoft.com/office/drawing/2014/main" id="{FBAD0579-FDF3-4CC8-B7D3-1266D613462D}"/>
               </a:ext>
             </a:extLst>
           </p:cNvPr>
@@ -7418,14 +7238,16 @@
         </p:nvSpPr>
         <p:spPr>
           <a:xfrm>
-            <a:off x="199155" y="5369996"/>
-            <a:ext cx="1574669" cy="756236"/>
+            <a:off x="209843" y="2233691"/>
+            <a:ext cx="5561270" cy="756236"/>
           </a:xfrm>
           <a:prstGeom prst="rightArrow">
             <a:avLst/>
           </a:prstGeom>
           <a:solidFill>
-            <a:schemeClr val="accent1"/>
+            <a:schemeClr val="bg2">
+              <a:lumMod val="75000"/>
+            </a:schemeClr>
           </a:solidFill>
           <a:ln>
             <a:noFill/>
@@ -7451,17 +7273,27 @@
           <a:p>
             <a:pPr algn="ctr"/>
             <a:r>
-              <a:rPr lang="ko-KR" altLang="en-US" sz="900" b="1" dirty="0" err="1">
+              <a:rPr lang="ko-KR" altLang="en-US" sz="1600" b="1" dirty="0">
                 <a:solidFill>
                   <a:schemeClr val="tx1"/>
                 </a:solidFill>
                 <a:latin typeface="나눔스퀘어" panose="020B0600000101010101" pitchFamily="50" charset="-127"/>
                 <a:ea typeface="나눔스퀘어" panose="020B0600000101010101" pitchFamily="50" charset="-127"/>
               </a:rPr>
-              <a:t>미래에셋</a:t>
-            </a:r>
-            <a:r>
-              <a:rPr lang="ko-KR" altLang="en-US" sz="900" b="1" dirty="0">
+              <a:t>한 권으로 끝내는 </a:t>
+            </a:r>
+            <a:r>
+              <a:rPr lang="ko-KR" altLang="en-US" sz="1600" b="1" dirty="0" err="1">
+                <a:solidFill>
+                  <a:schemeClr val="tx1"/>
+                </a:solidFill>
+                <a:latin typeface="나눔스퀘어" panose="020B0600000101010101" pitchFamily="50" charset="-127"/>
+                <a:ea typeface="나눔스퀘어" panose="020B0600000101010101" pitchFamily="50" charset="-127"/>
+              </a:rPr>
+              <a:t>딥러닝</a:t>
+            </a:r>
+            <a:r>
+              <a:rPr lang="ko-KR" altLang="en-US" sz="1600" b="1" dirty="0">
                 <a:solidFill>
                   <a:schemeClr val="tx1"/>
                 </a:solidFill>
@@ -7471,16 +7303,16 @@
               <a:t> </a:t>
             </a:r>
             <a:r>
-              <a:rPr lang="en-US" altLang="ko-KR" sz="900" b="1" dirty="0">
+              <a:rPr lang="ko-KR" altLang="en-US" sz="1600" b="1" dirty="0" err="1">
                 <a:solidFill>
                   <a:schemeClr val="tx1"/>
                 </a:solidFill>
                 <a:latin typeface="나눔스퀘어" panose="020B0600000101010101" pitchFamily="50" charset="-127"/>
                 <a:ea typeface="나눔스퀘어" panose="020B0600000101010101" pitchFamily="50" charset="-127"/>
               </a:rPr>
-              <a:t>TAMS</a:t>
-            </a:r>
-            <a:endParaRPr lang="ko-KR" altLang="en-US" sz="900" b="1" dirty="0">
+              <a:t>텐서플로</a:t>
+            </a:r>
+            <a:endParaRPr lang="ko-KR" altLang="en-US" sz="1600" b="1" dirty="0">
               <a:solidFill>
                 <a:schemeClr val="tx1"/>
               </a:solidFill>
@@ -7490,6 +7322,158 @@
           </a:p>
         </p:txBody>
       </p:sp>
+      <p:sp>
+        <p:nvSpPr>
+          <p:cNvPr id="44" name="오른쪽 화살표 46">
+            <a:extLst>
+              <a:ext uri="{FF2B5EF4-FFF2-40B4-BE49-F238E27FC236}">
+                <a16:creationId xmlns:a16="http://schemas.microsoft.com/office/drawing/2014/main" id="{51334D61-497F-4DCE-AD71-BD296496A346}"/>
+              </a:ext>
+            </a:extLst>
+          </p:cNvPr>
+          <p:cNvSpPr/>
+          <p:nvPr/>
+        </p:nvSpPr>
+        <p:spPr>
+          <a:xfrm>
+            <a:off x="177020" y="5229199"/>
+            <a:ext cx="4002105" cy="1044917"/>
+          </a:xfrm>
+          <a:prstGeom prst="rightArrow">
+            <a:avLst/>
+          </a:prstGeom>
+          <a:solidFill>
+            <a:schemeClr val="bg2">
+              <a:lumMod val="75000"/>
+            </a:schemeClr>
+          </a:solidFill>
+          <a:ln>
+            <a:noFill/>
+          </a:ln>
+        </p:spPr>
+        <p:style>
+          <a:lnRef idx="2">
+            <a:schemeClr val="accent3"/>
+          </a:lnRef>
+          <a:fillRef idx="1">
+            <a:schemeClr val="lt1"/>
+          </a:fillRef>
+          <a:effectRef idx="0">
+            <a:schemeClr val="accent3"/>
+          </a:effectRef>
+          <a:fontRef idx="minor">
+            <a:schemeClr val="dk1"/>
+          </a:fontRef>
+        </p:style>
+        <p:txBody>
+          <a:bodyPr lIns="0" rIns="0" rtlCol="0" anchor="ctr"/>
+          <a:lstStyle/>
+          <a:p>
+            <a:pPr algn="ctr"/>
+            <a:r>
+              <a:rPr lang="ko-KR" altLang="en-US" sz="1600" b="1" dirty="0">
+                <a:solidFill>
+                  <a:schemeClr val="tx1"/>
+                </a:solidFill>
+                <a:latin typeface="나눔스퀘어" panose="020B0600000101010101" pitchFamily="50" charset="-127"/>
+                <a:ea typeface="나눔스퀘어" panose="020B0600000101010101" pitchFamily="50" charset="-127"/>
+              </a:rPr>
+              <a:t>논문쓰기</a:t>
+            </a:r>
+          </a:p>
+        </p:txBody>
+      </p:sp>
+      <p:sp>
+        <p:nvSpPr>
+          <p:cNvPr id="46" name="TextBox 45">
+            <a:extLst>
+              <a:ext uri="{FF2B5EF4-FFF2-40B4-BE49-F238E27FC236}">
+                <a16:creationId xmlns:a16="http://schemas.microsoft.com/office/drawing/2014/main" id="{CDBB20B3-1EB3-4673-8148-6F8C01BD2FA5}"/>
+              </a:ext>
+            </a:extLst>
+          </p:cNvPr>
+          <p:cNvSpPr txBox="1"/>
+          <p:nvPr/>
+        </p:nvSpPr>
+        <p:spPr>
+          <a:xfrm>
+            <a:off x="2941021" y="1208319"/>
+            <a:ext cx="896587" cy="261610"/>
+          </a:xfrm>
+          <a:prstGeom prst="rect">
+            <a:avLst/>
+          </a:prstGeom>
+          <a:noFill/>
+        </p:spPr>
+        <p:txBody>
+          <a:bodyPr wrap="square" rtlCol="0">
+            <a:spAutoFit/>
+          </a:bodyPr>
+          <a:lstStyle/>
+          <a:p>
+            <a:pPr algn="ctr"/>
+            <a:r>
+              <a:rPr lang="en-US" altLang="ko-KR" sz="1100" b="1" dirty="0">
+                <a:latin typeface="나눔스퀘어" panose="020B0600000101010101" pitchFamily="50" charset="-127"/>
+                <a:ea typeface="나눔스퀘어" panose="020B0600000101010101" pitchFamily="50" charset="-127"/>
+              </a:rPr>
+              <a:t>4</a:t>
+            </a:r>
+            <a:r>
+              <a:rPr lang="ko-KR" altLang="en-US" sz="1100" b="1" dirty="0">
+                <a:latin typeface="나눔스퀘어" panose="020B0600000101010101" pitchFamily="50" charset="-127"/>
+                <a:ea typeface="나눔스퀘어" panose="020B0600000101010101" pitchFamily="50" charset="-127"/>
+              </a:rPr>
+              <a:t>월</a:t>
+            </a:r>
+          </a:p>
+        </p:txBody>
+      </p:sp>
+      <p:cxnSp>
+        <p:nvCxnSpPr>
+          <p:cNvPr id="48" name="직선 연결선 47">
+            <a:extLst>
+              <a:ext uri="{FF2B5EF4-FFF2-40B4-BE49-F238E27FC236}">
+                <a16:creationId xmlns:a16="http://schemas.microsoft.com/office/drawing/2014/main" id="{C8606576-2B8A-46E7-99D5-F9ECDA4D1809}"/>
+              </a:ext>
+            </a:extLst>
+          </p:cNvPr>
+          <p:cNvCxnSpPr/>
+          <p:nvPr/>
+        </p:nvCxnSpPr>
+        <p:spPr>
+          <a:xfrm rot="5400000">
+            <a:off x="2653271" y="3824790"/>
+            <a:ext cx="4592755" cy="1405"/>
+          </a:xfrm>
+          <a:prstGeom prst="line">
+            <a:avLst/>
+          </a:prstGeom>
+          <a:ln>
+            <a:solidFill>
+              <a:schemeClr val="tx2">
+                <a:lumMod val="60000"/>
+                <a:lumOff val="40000"/>
+              </a:schemeClr>
+            </a:solidFill>
+            <a:prstDash val="lgDash"/>
+          </a:ln>
+        </p:spPr>
+        <p:style>
+          <a:lnRef idx="1">
+            <a:schemeClr val="accent1"/>
+          </a:lnRef>
+          <a:fillRef idx="0">
+            <a:schemeClr val="accent1"/>
+          </a:fillRef>
+          <a:effectRef idx="0">
+            <a:schemeClr val="accent1"/>
+          </a:effectRef>
+          <a:fontRef idx="minor">
+            <a:schemeClr val="tx1"/>
+          </a:fontRef>
+        </p:style>
+      </p:cxnSp>
     </p:spTree>
     <p:extLst>
       <p:ext uri="{BB962C8B-B14F-4D97-AF65-F5344CB8AC3E}">
@@ -7548,7 +7532,7 @@
             </a:r>
             <a:r>
               <a:rPr lang="en-US" altLang="ko-KR" sz="3600" dirty="0"/>
-              <a:t>(1/30 ~ 2/13)</a:t>
+              <a:t>(3/14 ~ 3/20)</a:t>
             </a:r>
             <a:br>
               <a:rPr lang="en-US" altLang="ko-KR" sz="3600" b="1" dirty="0"/>
@@ -7575,7 +7559,7 @@
         </p:spPr>
         <p:txBody>
           <a:bodyPr>
-            <a:normAutofit lnSpcReduction="10000"/>
+            <a:normAutofit/>
           </a:bodyPr>
           <a:lstStyle/>
           <a:p>
@@ -7584,37 +7568,24 @@
             </a:pPr>
             <a:r>
               <a:rPr lang="ko-KR" altLang="en-US" sz="2000" b="1" dirty="0" err="1"/>
+              <a:t>케라스</a:t>
+            </a:r>
+            <a:r>
+              <a:rPr lang="ko-KR" altLang="en-US" sz="2000" b="1" dirty="0"/>
+              <a:t> 창시자에게 배우는 </a:t>
+            </a:r>
+            <a:r>
+              <a:rPr lang="ko-KR" altLang="en-US" sz="2000" b="1" dirty="0" err="1"/>
               <a:t>딥러닝</a:t>
             </a:r>
-            <a:r>
-              <a:rPr lang="ko-KR" altLang="en-US" sz="2000" b="1" dirty="0"/>
-              <a:t> 기본 지식 복습</a:t>
-            </a:r>
             <a:endParaRPr lang="en-US" altLang="ko-KR" sz="2000" b="1" dirty="0"/>
           </a:p>
           <a:p>
             <a:pPr lvl="2"/>
             <a:r>
-              <a:rPr lang="ko-KR" altLang="en-US" sz="1700" dirty="0"/>
-              <a:t>교재 </a:t>
-            </a:r>
-            <a:r>
               <a:rPr lang="en-US" altLang="ko-KR" sz="1700" dirty="0"/>
-              <a:t>6</a:t>
-            </a:r>
-            <a:r>
-              <a:rPr lang="ko-KR" altLang="en-US" sz="1700" dirty="0"/>
-              <a:t>장</a:t>
-            </a:r>
-            <a:r>
-              <a:rPr lang="en-US" altLang="ko-KR" sz="1700" dirty="0"/>
-              <a:t> </a:t>
-            </a:r>
-            <a:r>
-              <a:rPr lang="ko-KR" altLang="en-US" sz="1700" dirty="0"/>
-              <a:t>까지 학습</a:t>
-            </a:r>
-            <a:endParaRPr lang="en-US" altLang="ko-KR" sz="1700" dirty="0"/>
+              <a:t>Chapter1 ~ Chapter 3</a:t>
+            </a:r>
           </a:p>
           <a:p>
             <a:pPr marL="685800" lvl="2" indent="0">
@@ -7628,150 +7599,29 @@
               <a:buAutoNum type="arabicPeriod"/>
             </a:pPr>
             <a:r>
-              <a:rPr lang="en-US" altLang="ko-KR" sz="2000" b="1" dirty="0"/>
-              <a:t>Python Data Science Hand Book </a:t>
-            </a:r>
-            <a:r>
               <a:rPr lang="ko-KR" altLang="en-US" sz="2000" b="1" dirty="0"/>
-              <a:t>챕터</a:t>
-            </a:r>
-            <a:r>
-              <a:rPr lang="en-US" altLang="ko-KR" sz="2000" b="1" dirty="0"/>
-              <a:t>4: Matplotlib(253p ~381p)</a:t>
+              <a:t>한권으로 끝내는 </a:t>
+            </a:r>
+            <a:r>
+              <a:rPr lang="ko-KR" altLang="en-US" sz="2000" b="1" dirty="0" err="1"/>
+              <a:t>딥러닝</a:t>
+            </a:r>
+            <a:r>
+              <a:rPr lang="ko-KR" altLang="en-US" sz="2000" b="1" dirty="0"/>
+              <a:t> </a:t>
+            </a:r>
+            <a:r>
+              <a:rPr lang="ko-KR" altLang="en-US" sz="2000" b="1" dirty="0" err="1"/>
+              <a:t>텐서플로</a:t>
             </a:r>
             <a:endParaRPr lang="en-US" altLang="ko-KR" sz="2000" dirty="0"/>
           </a:p>
           <a:p>
             <a:pPr lvl="2"/>
             <a:r>
-              <a:rPr lang="ko-KR" altLang="en-US" sz="1700" dirty="0"/>
-              <a:t>라인 플롯</a:t>
-            </a:r>
-            <a:r>
               <a:rPr lang="en-US" altLang="ko-KR" sz="1700" dirty="0"/>
-              <a:t>, </a:t>
-            </a:r>
-            <a:r>
-              <a:rPr lang="ko-KR" altLang="en-US" sz="1700" dirty="0" err="1"/>
-              <a:t>산점도</a:t>
-            </a:r>
-            <a:r>
-              <a:rPr lang="en-US" altLang="ko-KR" sz="1700" dirty="0"/>
-              <a:t>, </a:t>
-            </a:r>
-            <a:r>
-              <a:rPr lang="ko-KR" altLang="en-US" sz="1700" dirty="0"/>
-              <a:t>오차시각화</a:t>
-            </a:r>
-            <a:endParaRPr lang="en-US" altLang="ko-KR" sz="1700" dirty="0"/>
-          </a:p>
-          <a:p>
-            <a:pPr lvl="2"/>
-            <a:r>
-              <a:rPr lang="ko-KR" altLang="en-US" sz="1700" dirty="0"/>
-              <a:t>밀도와 등고선 플롯</a:t>
-            </a:r>
-            <a:endParaRPr lang="en-US" altLang="ko-KR" sz="1700" dirty="0"/>
-          </a:p>
-          <a:p>
-            <a:pPr lvl="2"/>
-            <a:r>
-              <a:rPr lang="ko-KR" altLang="en-US" sz="1700" dirty="0"/>
-              <a:t>히스토그램</a:t>
-            </a:r>
-            <a:r>
-              <a:rPr lang="en-US" altLang="ko-KR" sz="1700" dirty="0"/>
-              <a:t>, </a:t>
-            </a:r>
-            <a:r>
-              <a:rPr lang="ko-KR" altLang="en-US" sz="1700" dirty="0"/>
-              <a:t>구간화</a:t>
-            </a:r>
-            <a:r>
-              <a:rPr lang="en-US" altLang="ko-KR" sz="1700" dirty="0"/>
-              <a:t>, </a:t>
-            </a:r>
-            <a:r>
-              <a:rPr lang="ko-KR" altLang="en-US" sz="1700" dirty="0"/>
-              <a:t>밀도</a:t>
-            </a:r>
-            <a:endParaRPr lang="en-US" altLang="ko-KR" sz="1700" dirty="0"/>
-          </a:p>
-          <a:p>
-            <a:pPr lvl="2"/>
-            <a:r>
-              <a:rPr lang="ko-KR" altLang="en-US" sz="1700" dirty="0"/>
-              <a:t>플롯 범례</a:t>
-            </a:r>
-            <a:r>
-              <a:rPr lang="en-US" altLang="ko-KR" sz="1700" dirty="0"/>
-              <a:t>(legend), </a:t>
-            </a:r>
-            <a:r>
-              <a:rPr lang="ko-KR" altLang="en-US" sz="1700" dirty="0"/>
-              <a:t>다중 </a:t>
-            </a:r>
-            <a:r>
-              <a:rPr lang="ko-KR" altLang="en-US" sz="1700" dirty="0" err="1"/>
-              <a:t>서브플롯</a:t>
-            </a:r>
-            <a:endParaRPr lang="en-US" altLang="ko-KR" sz="1700" dirty="0"/>
-          </a:p>
-          <a:p>
-            <a:pPr lvl="2"/>
-            <a:r>
-              <a:rPr lang="ko-KR" altLang="en-US" sz="1700" dirty="0"/>
-              <a:t>텍스트</a:t>
-            </a:r>
-            <a:r>
-              <a:rPr lang="en-US" altLang="ko-KR" sz="1700" dirty="0"/>
-              <a:t>, </a:t>
-            </a:r>
-            <a:r>
-              <a:rPr lang="ko-KR" altLang="en-US" sz="1700" dirty="0"/>
-              <a:t>주석</a:t>
-            </a:r>
-            <a:r>
-              <a:rPr lang="en-US" altLang="ko-KR" sz="1700" dirty="0"/>
-              <a:t>, </a:t>
-            </a:r>
-            <a:r>
-              <a:rPr lang="ko-KR" altLang="en-US" sz="1700" dirty="0"/>
-              <a:t>눈금</a:t>
-            </a:r>
-            <a:endParaRPr lang="en-US" altLang="ko-KR" sz="1700" dirty="0"/>
-          </a:p>
-          <a:p>
-            <a:pPr lvl="2"/>
-            <a:r>
-              <a:rPr lang="en-US" altLang="ko-KR" sz="1700" dirty="0"/>
-              <a:t>3</a:t>
-            </a:r>
-            <a:r>
-              <a:rPr lang="ko-KR" altLang="en-US" sz="1700" dirty="0"/>
-              <a:t>차원 점과 선 플롯</a:t>
-            </a:r>
-            <a:r>
-              <a:rPr lang="en-US" altLang="ko-KR" sz="1700" dirty="0"/>
-              <a:t>, </a:t>
-            </a:r>
-            <a:r>
-              <a:rPr lang="en-US" altLang="ko-KR" sz="1700" dirty="0" err="1"/>
-              <a:t>Basemap</a:t>
-            </a:r>
-            <a:r>
-              <a:rPr lang="ko-KR" altLang="en-US" sz="1700" dirty="0"/>
-              <a:t>의 지리데이터</a:t>
-            </a:r>
-            <a:r>
-              <a:rPr lang="en-US" altLang="ko-KR" sz="1700" dirty="0"/>
-              <a:t>, Seaborn </a:t>
-            </a:r>
-            <a:r>
-              <a:rPr lang="ko-KR" altLang="en-US" sz="1700" dirty="0"/>
-              <a:t>플롯</a:t>
-            </a:r>
-            <a:endParaRPr lang="en-US" altLang="ko-KR" sz="1700" dirty="0"/>
+              <a:t>Chapter1 ~ Chapter 3</a:t>
+            </a:r>
           </a:p>
           <a:p>
             <a:pPr lvl="2"/>
@@ -7782,86 +7632,37 @@
               <a:buAutoNum type="arabicPeriod"/>
             </a:pPr>
             <a:r>
+              <a:rPr lang="ko-KR" altLang="en-US" sz="2000" b="1" dirty="0"/>
+              <a:t>인공지능을 위한 수학</a:t>
+            </a:r>
+            <a:endParaRPr lang="en-US" altLang="ko-KR" sz="2000" b="1" dirty="0"/>
+          </a:p>
+          <a:p>
+            <a:pPr lvl="2"/>
+            <a:r>
+              <a:rPr lang="en-US" altLang="ko-KR" sz="1600" dirty="0"/>
+              <a:t>Chapter1 ~ Chapter 3</a:t>
+            </a:r>
+          </a:p>
+          <a:p>
+            <a:pPr marL="800100" lvl="1" indent="-457200">
+              <a:buAutoNum type="arabicPeriod"/>
+            </a:pPr>
+            <a:endParaRPr lang="en-US" altLang="ko-KR" b="1" dirty="0"/>
+          </a:p>
+          <a:p>
+            <a:pPr marL="800100" lvl="1" indent="-457200">
+              <a:buAutoNum type="arabicPeriod"/>
+            </a:pPr>
+            <a:r>
               <a:rPr lang="en-US" altLang="ko-KR" sz="2000" b="1" dirty="0"/>
-              <a:t>Predict stock price</a:t>
-            </a:r>
-            <a:endParaRPr lang="en-US" altLang="ko-KR" sz="1800" b="1" dirty="0"/>
-          </a:p>
-          <a:p>
-            <a:pPr lvl="2"/>
-            <a:r>
-              <a:rPr lang="en-US" altLang="ko-KR" sz="1700" dirty="0"/>
-              <a:t>S&amp;P, google, apple predict in Kaggle kernels</a:t>
-            </a:r>
-          </a:p>
-          <a:p>
-            <a:pPr lvl="2"/>
-            <a:r>
-              <a:rPr lang="ko-KR" altLang="en-US" sz="1700" dirty="0"/>
-              <a:t>대부분 </a:t>
-            </a:r>
-            <a:r>
-              <a:rPr lang="en-US" altLang="ko-KR" sz="1700" dirty="0"/>
-              <a:t>LSTM</a:t>
-            </a:r>
-            <a:r>
-              <a:rPr lang="ko-KR" altLang="en-US" sz="1700" dirty="0"/>
-              <a:t>혹은 </a:t>
-            </a:r>
-            <a:r>
-              <a:rPr lang="en-US" altLang="ko-KR" sz="1700" dirty="0"/>
-              <a:t>RNN</a:t>
-            </a:r>
-            <a:r>
-              <a:rPr lang="ko-KR" altLang="en-US" sz="1700" dirty="0"/>
-              <a:t>을 이용</a:t>
-            </a:r>
-            <a:r>
-              <a:rPr lang="en-US" altLang="ko-KR" sz="1700" dirty="0"/>
-              <a:t> </a:t>
-            </a:r>
-          </a:p>
-          <a:p>
-            <a:pPr lvl="2"/>
-            <a:r>
-              <a:rPr lang="en-US" altLang="ko-KR" sz="1700" dirty="0"/>
-              <a:t>Reinforcement Learning, GAN</a:t>
-            </a:r>
-            <a:r>
-              <a:rPr lang="ko-KR" altLang="en-US" sz="1700" dirty="0"/>
-              <a:t>을 이용한 사례도 존재</a:t>
-            </a:r>
-            <a:endParaRPr lang="en-US" altLang="ko-KR" sz="1700" dirty="0"/>
-          </a:p>
-          <a:p>
-            <a:pPr lvl="2"/>
-            <a:r>
-              <a:rPr lang="ko-KR" altLang="en-US" sz="1700" dirty="0"/>
-              <a:t>코스피 데이터에 직접 적용 </a:t>
-            </a:r>
-            <a:r>
-              <a:rPr lang="en-US" altLang="ko-KR" sz="1700" dirty="0"/>
-              <a:t>Accuracy 93% (Training, Test set </a:t>
-            </a:r>
-            <a:r>
-              <a:rPr lang="ko-KR" altLang="en-US" sz="1700" dirty="0"/>
-              <a:t>모두 </a:t>
-            </a:r>
-            <a:r>
-              <a:rPr lang="en-US" altLang="ko-KR" sz="1700" dirty="0"/>
-              <a:t>KOSPI Index)</a:t>
-            </a:r>
-          </a:p>
-          <a:p>
-            <a:pPr lvl="2"/>
-            <a:r>
-              <a:rPr lang="ko-KR" altLang="en-US" sz="1700" dirty="0"/>
-              <a:t>하지만 다른 종목에 적용시 만족할 만한 결과를 얻지 못함</a:t>
-            </a:r>
-            <a:r>
-              <a:rPr lang="en-US" altLang="ko-KR" sz="1700" dirty="0"/>
-              <a:t>.</a:t>
-            </a:r>
+              <a:t>Deep learning with long short-term memory networks for financial </a:t>
+            </a:r>
+            <a:r>
+              <a:rPr lang="ko-KR" altLang="en-US" sz="2000" b="1" dirty="0"/>
+              <a:t>논문 읽고 이해</a:t>
+            </a:r>
+            <a:endParaRPr lang="en-US" altLang="ko-KR" sz="1600" b="1" dirty="0"/>
           </a:p>
         </p:txBody>
       </p:sp>
@@ -7923,7 +7724,7 @@
             </a:r>
             <a:r>
               <a:rPr lang="en-US" altLang="ko-KR" sz="3600" dirty="0"/>
-              <a:t>(2/14 ~ 2/20)</a:t>
+              <a:t>(3/21 ~ 3/27)</a:t>
             </a:r>
             <a:br>
               <a:rPr lang="en-US" altLang="ko-KR" sz="3600" b="1" dirty="0"/>
@@ -7945,7 +7746,7 @@
         <p:spPr>
           <a:xfrm>
             <a:off x="467544" y="1170186"/>
-            <a:ext cx="7886700" cy="4851101"/>
+            <a:ext cx="8496944" cy="4851101"/>
           </a:xfrm>
         </p:spPr>
         <p:txBody>
@@ -7959,102 +7760,24 @@
             </a:pPr>
             <a:r>
               <a:rPr lang="ko-KR" altLang="en-US" sz="2000" b="1" dirty="0" err="1"/>
+              <a:t>케라스</a:t>
+            </a:r>
+            <a:r>
+              <a:rPr lang="ko-KR" altLang="en-US" sz="2000" b="1" dirty="0"/>
+              <a:t> 창시자에게 배우는 </a:t>
+            </a:r>
+            <a:r>
+              <a:rPr lang="ko-KR" altLang="en-US" sz="2000" b="1" dirty="0" err="1"/>
               <a:t>딥러닝</a:t>
             </a:r>
-            <a:r>
-              <a:rPr lang="ko-KR" altLang="en-US" sz="2000" b="1" dirty="0"/>
-              <a:t> 기본 지식 복습</a:t>
-            </a:r>
             <a:endParaRPr lang="en-US" altLang="ko-KR" sz="2000" b="1" dirty="0"/>
           </a:p>
           <a:p>
             <a:pPr lvl="2"/>
             <a:r>
-              <a:rPr lang="ko-KR" altLang="en-US" sz="1700" dirty="0"/>
-              <a:t>교재 </a:t>
-            </a:r>
-            <a:r>
               <a:rPr lang="en-US" altLang="ko-KR" sz="1700" dirty="0"/>
-              <a:t>7</a:t>
-            </a:r>
-            <a:r>
-              <a:rPr lang="ko-KR" altLang="en-US" sz="1700" dirty="0"/>
-              <a:t>장 공부하기</a:t>
-            </a:r>
-            <a:endParaRPr lang="en-US" altLang="ko-KR" sz="1700" dirty="0"/>
-          </a:p>
-          <a:p>
-            <a:pPr marL="1028700" lvl="2" indent="-342900">
-              <a:buFont typeface="+mj-lt"/>
-              <a:buAutoNum type="arabicPeriod"/>
-            </a:pPr>
-            <a:endParaRPr lang="en-US" altLang="ko-KR" sz="1700" dirty="0"/>
-          </a:p>
-          <a:p>
-            <a:pPr marL="800100" lvl="1" indent="-457200">
-              <a:buAutoNum type="arabicPeriod"/>
-            </a:pPr>
-            <a:r>
-              <a:rPr lang="en-US" altLang="ko-KR" sz="1950" b="1" dirty="0"/>
-              <a:t>Python Data Science Hand Book Chapter5: Machine Learning (383p~477p)</a:t>
-            </a:r>
-            <a:endParaRPr lang="en-US" altLang="ko-KR" sz="1950" dirty="0"/>
-          </a:p>
-          <a:p>
-            <a:pPr lvl="2"/>
-            <a:r>
-              <a:rPr lang="ko-KR" altLang="en-US" sz="1700" dirty="0" err="1"/>
-              <a:t>초모수와</a:t>
-            </a:r>
-            <a:r>
-              <a:rPr lang="ko-KR" altLang="en-US" sz="1700" dirty="0"/>
-              <a:t> 모델 검증</a:t>
-            </a:r>
-            <a:endParaRPr lang="en-US" altLang="ko-KR" sz="1700" dirty="0"/>
-          </a:p>
-          <a:p>
-            <a:pPr lvl="2"/>
-            <a:r>
-              <a:rPr lang="ko-KR" altLang="en-US" sz="1700" dirty="0"/>
-              <a:t>특징공학</a:t>
-            </a:r>
-            <a:endParaRPr lang="en-US" altLang="ko-KR" sz="1700" dirty="0"/>
-          </a:p>
-          <a:p>
-            <a:pPr lvl="2"/>
-            <a:r>
-              <a:rPr lang="ko-KR" altLang="en-US" sz="1700" dirty="0" err="1"/>
-              <a:t>나이브</a:t>
-            </a:r>
-            <a:r>
-              <a:rPr lang="ko-KR" altLang="en-US" sz="1700" dirty="0"/>
-              <a:t> </a:t>
-            </a:r>
-            <a:r>
-              <a:rPr lang="ko-KR" altLang="en-US" sz="1700" dirty="0" err="1"/>
-              <a:t>베이즈</a:t>
-            </a:r>
-            <a:r>
-              <a:rPr lang="ko-KR" altLang="en-US" sz="1700" dirty="0"/>
-              <a:t> 분류</a:t>
-            </a:r>
-            <a:endParaRPr lang="en-US" altLang="ko-KR" sz="1700" dirty="0"/>
-          </a:p>
-          <a:p>
-            <a:pPr lvl="2"/>
-            <a:r>
-              <a:rPr lang="ko-KR" altLang="en-US" sz="1700" dirty="0"/>
-              <a:t>선형 회귀</a:t>
-            </a:r>
-            <a:endParaRPr lang="en-US" altLang="ko-KR" sz="1700" dirty="0"/>
-          </a:p>
-          <a:p>
-            <a:pPr lvl="2"/>
-            <a:r>
-              <a:rPr lang="ko-KR" altLang="en-US" sz="1700" dirty="0"/>
-              <a:t>서포트 벡터 머신</a:t>
-            </a:r>
-            <a:endParaRPr lang="en-US" altLang="ko-KR" sz="1700" dirty="0"/>
+              <a:t>Chapter4</a:t>
+            </a:r>
           </a:p>
           <a:p>
             <a:pPr marL="685800" lvl="2" indent="0">
@@ -8063,23 +7786,82 @@
             <a:endParaRPr lang="en-US" altLang="ko-KR" sz="1700" dirty="0"/>
           </a:p>
           <a:p>
-            <a:pPr marL="685800" lvl="2" indent="0">
-              <a:buNone/>
+            <a:pPr marL="800100" lvl="1" indent="-457200">
+              <a:buFont typeface="Arial" panose="020B0604020202020204" pitchFamily="34" charset="0"/>
+              <a:buAutoNum type="arabicPeriod"/>
             </a:pPr>
+            <a:r>
+              <a:rPr lang="ko-KR" altLang="en-US" sz="2000" b="1" dirty="0"/>
+              <a:t>한권으로 끝내는 </a:t>
+            </a:r>
+            <a:r>
+              <a:rPr lang="ko-KR" altLang="en-US" sz="2000" b="1" dirty="0" err="1"/>
+              <a:t>딥러닝</a:t>
+            </a:r>
+            <a:r>
+              <a:rPr lang="ko-KR" altLang="en-US" sz="2000" b="1" dirty="0"/>
+              <a:t> </a:t>
+            </a:r>
+            <a:r>
+              <a:rPr lang="ko-KR" altLang="en-US" sz="2000" b="1" dirty="0" err="1"/>
+              <a:t>텐서플로</a:t>
+            </a:r>
+            <a:endParaRPr lang="en-US" altLang="ko-KR" sz="2000" dirty="0"/>
+          </a:p>
+          <a:p>
+            <a:pPr lvl="2"/>
+            <a:r>
+              <a:rPr lang="en-US" altLang="ko-KR" sz="1700" dirty="0"/>
+              <a:t>Chapter4</a:t>
+            </a:r>
+          </a:p>
+          <a:p>
+            <a:pPr lvl="2"/>
             <a:endParaRPr lang="en-US" altLang="ko-KR" sz="1700" dirty="0"/>
           </a:p>
           <a:p>
-            <a:pPr marL="685800" lvl="2" indent="0">
-              <a:buNone/>
+            <a:pPr marL="800100" lvl="1" indent="-457200">
+              <a:buAutoNum type="arabicPeriod"/>
             </a:pPr>
-            <a:endParaRPr lang="en-US" altLang="ko-KR" sz="1700" dirty="0"/>
+            <a:r>
+              <a:rPr lang="ko-KR" altLang="en-US" sz="2000" b="1" dirty="0"/>
+              <a:t>인공지능을 위한 수학</a:t>
+            </a:r>
+            <a:endParaRPr lang="en-US" altLang="ko-KR" sz="2000" b="1" dirty="0"/>
+          </a:p>
+          <a:p>
+            <a:pPr lvl="2"/>
+            <a:r>
+              <a:rPr lang="en-US" altLang="ko-KR" sz="1600" dirty="0"/>
+              <a:t>Chapter4</a:t>
+            </a:r>
+          </a:p>
+          <a:p>
+            <a:pPr marL="800100" lvl="1" indent="-457200">
+              <a:buAutoNum type="arabicPeriod"/>
+            </a:pPr>
+            <a:endParaRPr lang="en-US" altLang="ko-KR" b="1" dirty="0"/>
+          </a:p>
+          <a:p>
+            <a:pPr marL="800100" lvl="1" indent="-457200">
+              <a:buAutoNum type="arabicPeriod"/>
+            </a:pPr>
+            <a:r>
+              <a:rPr lang="en-US" altLang="ko-KR" sz="2000" b="1" dirty="0"/>
+              <a:t>Deep learning with long short-term memory networks for financial </a:t>
+            </a:r>
+            <a:r>
+              <a:rPr lang="ko-KR" altLang="en-US" sz="2000" b="1" dirty="0"/>
+              <a:t>논문 읽고 이해</a:t>
+            </a:r>
+            <a:endParaRPr lang="en-US" altLang="ko-KR" sz="1600" b="1" dirty="0"/>
           </a:p>
         </p:txBody>
       </p:sp>
     </p:spTree>
     <p:extLst>
       <p:ext uri="{BB962C8B-B14F-4D97-AF65-F5344CB8AC3E}">
-        <p14:creationId xmlns:p14="http://schemas.microsoft.com/office/powerpoint/2010/main" val="641443264"/>
+        <p14:creationId xmlns:p14="http://schemas.microsoft.com/office/powerpoint/2010/main" val="2897957925"/>
       </p:ext>
     </p:extLst>
   </p:cSld>
